--- a/발표자료/230210/LJHPPT.pptx
+++ b/발표자료/230210/LJHPPT.pptx
@@ -6,8 +6,8 @@
   </p:sldMasterIdLst>
   <p:sldIdLst>
     <p:sldId id="256" r:id="rId2"/>
-    <p:sldId id="274" r:id="rId3"/>
-    <p:sldId id="269" r:id="rId4"/>
+    <p:sldId id="269" r:id="rId3"/>
+    <p:sldId id="270" r:id="rId4"/>
   </p:sldIdLst>
   <p:sldSz cx="12192000" cy="6858000"/>
   <p:notesSz cx="6858000" cy="9144000"/>
@@ -272,7 +272,7 @@
           <a:p>
             <a:fld id="{246E467A-4026-4A8D-97BF-715EF7FA6491}" type="datetimeFigureOut">
               <a:rPr lang="ko-KR" altLang="en-US" smtClean="0"/>
-              <a:t>2023-02-08</a:t>
+              <a:t>2023-02-16</a:t>
             </a:fld>
             <a:endParaRPr lang="ko-KR" altLang="en-US"/>
           </a:p>
@@ -470,7 +470,7 @@
           <a:p>
             <a:fld id="{246E467A-4026-4A8D-97BF-715EF7FA6491}" type="datetimeFigureOut">
               <a:rPr lang="ko-KR" altLang="en-US" smtClean="0"/>
-              <a:t>2023-02-08</a:t>
+              <a:t>2023-02-16</a:t>
             </a:fld>
             <a:endParaRPr lang="ko-KR" altLang="en-US"/>
           </a:p>
@@ -678,7 +678,7 @@
           <a:p>
             <a:fld id="{246E467A-4026-4A8D-97BF-715EF7FA6491}" type="datetimeFigureOut">
               <a:rPr lang="ko-KR" altLang="en-US" smtClean="0"/>
-              <a:t>2023-02-08</a:t>
+              <a:t>2023-02-16</a:t>
             </a:fld>
             <a:endParaRPr lang="ko-KR" altLang="en-US"/>
           </a:p>
@@ -876,7 +876,7 @@
           <a:p>
             <a:fld id="{246E467A-4026-4A8D-97BF-715EF7FA6491}" type="datetimeFigureOut">
               <a:rPr lang="ko-KR" altLang="en-US" smtClean="0"/>
-              <a:t>2023-02-08</a:t>
+              <a:t>2023-02-16</a:t>
             </a:fld>
             <a:endParaRPr lang="ko-KR" altLang="en-US"/>
           </a:p>
@@ -1151,7 +1151,7 @@
           <a:p>
             <a:fld id="{246E467A-4026-4A8D-97BF-715EF7FA6491}" type="datetimeFigureOut">
               <a:rPr lang="ko-KR" altLang="en-US" smtClean="0"/>
-              <a:t>2023-02-08</a:t>
+              <a:t>2023-02-16</a:t>
             </a:fld>
             <a:endParaRPr lang="ko-KR" altLang="en-US"/>
           </a:p>
@@ -1416,7 +1416,7 @@
           <a:p>
             <a:fld id="{246E467A-4026-4A8D-97BF-715EF7FA6491}" type="datetimeFigureOut">
               <a:rPr lang="ko-KR" altLang="en-US" smtClean="0"/>
-              <a:t>2023-02-08</a:t>
+              <a:t>2023-02-16</a:t>
             </a:fld>
             <a:endParaRPr lang="ko-KR" altLang="en-US"/>
           </a:p>
@@ -1828,7 +1828,7 @@
           <a:p>
             <a:fld id="{246E467A-4026-4A8D-97BF-715EF7FA6491}" type="datetimeFigureOut">
               <a:rPr lang="ko-KR" altLang="en-US" smtClean="0"/>
-              <a:t>2023-02-08</a:t>
+              <a:t>2023-02-16</a:t>
             </a:fld>
             <a:endParaRPr lang="ko-KR" altLang="en-US"/>
           </a:p>
@@ -1969,7 +1969,7 @@
           <a:p>
             <a:fld id="{246E467A-4026-4A8D-97BF-715EF7FA6491}" type="datetimeFigureOut">
               <a:rPr lang="ko-KR" altLang="en-US" smtClean="0"/>
-              <a:t>2023-02-08</a:t>
+              <a:t>2023-02-16</a:t>
             </a:fld>
             <a:endParaRPr lang="ko-KR" altLang="en-US"/>
           </a:p>
@@ -2082,7 +2082,7 @@
           <a:p>
             <a:fld id="{246E467A-4026-4A8D-97BF-715EF7FA6491}" type="datetimeFigureOut">
               <a:rPr lang="ko-KR" altLang="en-US" smtClean="0"/>
-              <a:t>2023-02-08</a:t>
+              <a:t>2023-02-16</a:t>
             </a:fld>
             <a:endParaRPr lang="ko-KR" altLang="en-US"/>
           </a:p>
@@ -2393,7 +2393,7 @@
           <a:p>
             <a:fld id="{246E467A-4026-4A8D-97BF-715EF7FA6491}" type="datetimeFigureOut">
               <a:rPr lang="ko-KR" altLang="en-US" smtClean="0"/>
-              <a:t>2023-02-08</a:t>
+              <a:t>2023-02-16</a:t>
             </a:fld>
             <a:endParaRPr lang="ko-KR" altLang="en-US"/>
           </a:p>
@@ -2681,7 +2681,7 @@
           <a:p>
             <a:fld id="{246E467A-4026-4A8D-97BF-715EF7FA6491}" type="datetimeFigureOut">
               <a:rPr lang="ko-KR" altLang="en-US" smtClean="0"/>
-              <a:t>2023-02-08</a:t>
+              <a:t>2023-02-16</a:t>
             </a:fld>
             <a:endParaRPr lang="ko-KR" altLang="en-US"/>
           </a:p>
@@ -2922,7 +2922,7 @@
           <a:p>
             <a:fld id="{246E467A-4026-4A8D-97BF-715EF7FA6491}" type="datetimeFigureOut">
               <a:rPr lang="ko-KR" altLang="en-US" smtClean="0"/>
-              <a:t>2023-02-08</a:t>
+              <a:t>2023-02-16</a:t>
             </a:fld>
             <a:endParaRPr lang="ko-KR" altLang="en-US"/>
           </a:p>
@@ -3658,189 +3658,10 @@
           </a:fontRef>
         </p:style>
       </p:cxnSp>
-      <p:pic>
-        <p:nvPicPr>
-          <p:cNvPr id="1026" name="Picture 2" descr="C:\Users\user\Desktop\1.1.GIF"/>
-          <p:cNvPicPr>
-            <a:picLocks noChangeAspect="1" noChangeArrowheads="1"/>
-          </p:cNvPicPr>
-          <p:nvPr/>
-        </p:nvPicPr>
-        <p:blipFill>
-          <a:blip r:embed="rId2">
-            <a:extLst>
-              <a:ext uri="{28A0092B-C50C-407E-A947-70E740481C1C}">
-                <a14:useLocalDpi xmlns:a14="http://schemas.microsoft.com/office/drawing/2010/main" val="0"/>
-              </a:ext>
-            </a:extLst>
-          </a:blip>
-          <a:srcRect/>
-          <a:stretch>
-            <a:fillRect/>
-          </a:stretch>
-        </p:blipFill>
-        <p:spPr bwMode="auto">
-          <a:xfrm>
-            <a:off x="717550" y="901700"/>
-            <a:ext cx="4787900" cy="5035550"/>
-          </a:xfrm>
-          <a:prstGeom prst="rect">
-            <a:avLst/>
-          </a:prstGeom>
-          <a:noFill/>
-          <a:extLst>
-            <a:ext uri="{909E8E84-426E-40DD-AFC4-6F175D3DCCD1}">
-              <a14:hiddenFill xmlns:a14="http://schemas.microsoft.com/office/drawing/2010/main">
-                <a:solidFill>
-                  <a:srgbClr val="FFFFFF"/>
-                </a:solidFill>
-              </a14:hiddenFill>
-            </a:ext>
-          </a:extLst>
-        </p:spPr>
-      </p:pic>
-      <p:pic>
-        <p:nvPicPr>
-          <p:cNvPr id="1027" name="Picture 3" descr="C:\Users\user\Desktop\1.2.GIF"/>
-          <p:cNvPicPr>
-            <a:picLocks noChangeAspect="1" noChangeArrowheads="1"/>
-          </p:cNvPicPr>
-          <p:nvPr/>
-        </p:nvPicPr>
-        <p:blipFill>
-          <a:blip r:embed="rId3">
-            <a:extLst>
-              <a:ext uri="{28A0092B-C50C-407E-A947-70E740481C1C}">
-                <a14:useLocalDpi xmlns:a14="http://schemas.microsoft.com/office/drawing/2010/main" val="0"/>
-              </a:ext>
-            </a:extLst>
-          </a:blip>
-          <a:srcRect/>
-          <a:stretch>
-            <a:fillRect/>
-          </a:stretch>
-        </p:blipFill>
-        <p:spPr bwMode="auto">
-          <a:xfrm>
-            <a:off x="6521450" y="920750"/>
-            <a:ext cx="4730750" cy="5016500"/>
-          </a:xfrm>
-          <a:prstGeom prst="rect">
-            <a:avLst/>
-          </a:prstGeom>
-          <a:noFill/>
-          <a:extLst>
-            <a:ext uri="{909E8E84-426E-40DD-AFC4-6F175D3DCCD1}">
-              <a14:hiddenFill xmlns:a14="http://schemas.microsoft.com/office/drawing/2010/main">
-                <a:solidFill>
-                  <a:srgbClr val="FFFFFF"/>
-                </a:solidFill>
-              </a14:hiddenFill>
-            </a:ext>
-          </a:extLst>
-        </p:spPr>
-      </p:pic>
-      <p:sp>
-        <p:nvSpPr>
-          <p:cNvPr id="2" name="오른쪽 화살표 1"/>
-          <p:cNvSpPr/>
-          <p:nvPr/>
-        </p:nvSpPr>
-        <p:spPr>
-          <a:xfrm>
-            <a:off x="5588000" y="3067050"/>
-            <a:ext cx="838200" cy="723900"/>
-          </a:xfrm>
-          <a:prstGeom prst="rightArrow">
-            <a:avLst/>
-          </a:prstGeom>
-          <a:solidFill>
-            <a:schemeClr val="accent4"/>
-          </a:solidFill>
-          <a:ln>
-            <a:noFill/>
-          </a:ln>
-        </p:spPr>
-        <p:style>
-          <a:lnRef idx="2">
-            <a:schemeClr val="accent1">
-              <a:shade val="50000"/>
-            </a:schemeClr>
-          </a:lnRef>
-          <a:fillRef idx="1">
-            <a:schemeClr val="accent1"/>
-          </a:fillRef>
-          <a:effectRef idx="0">
-            <a:schemeClr val="accent1"/>
-          </a:effectRef>
-          <a:fontRef idx="minor">
-            <a:schemeClr val="lt1"/>
-          </a:fontRef>
-        </p:style>
-        <p:txBody>
-          <a:bodyPr rtlCol="0" anchor="ctr"/>
-          <a:lstStyle/>
-          <a:p>
-            <a:pPr algn="ctr"/>
-            <a:endParaRPr lang="ko-KR" altLang="en-US"/>
-          </a:p>
-        </p:txBody>
-      </p:sp>
-      <p:sp>
-        <p:nvSpPr>
-          <p:cNvPr id="4" name="TextBox 3"/>
-          <p:cNvSpPr txBox="1"/>
-          <p:nvPr/>
-        </p:nvSpPr>
-        <p:spPr>
-          <a:xfrm>
-            <a:off x="1133231" y="6064738"/>
-            <a:ext cx="9667631" cy="369332"/>
-          </a:xfrm>
-          <a:prstGeom prst="rect">
-            <a:avLst/>
-          </a:prstGeom>
-          <a:noFill/>
-        </p:spPr>
-        <p:txBody>
-          <a:bodyPr wrap="square" rtlCol="0">
-            <a:spAutoFit/>
-          </a:bodyPr>
-          <a:lstStyle/>
-          <a:p>
-            <a:pPr algn="ctr"/>
-            <a:r>
-              <a:rPr lang="ko-KR" altLang="en-US" dirty="0" smtClean="0"/>
-              <a:t>배경 </a:t>
-            </a:r>
-            <a:r>
-              <a:rPr lang="ko-KR" altLang="en-US" dirty="0" err="1" smtClean="0"/>
-              <a:t>알파값</a:t>
-            </a:r>
-            <a:r>
-              <a:rPr lang="ko-KR" altLang="en-US" dirty="0" smtClean="0"/>
-              <a:t> 제거</a:t>
-            </a:r>
-            <a:r>
-              <a:rPr lang="en-US" altLang="ko-KR" dirty="0" smtClean="0"/>
-              <a:t>(</a:t>
-            </a:r>
-            <a:r>
-              <a:rPr lang="ko-KR" altLang="en-US" dirty="0" smtClean="0"/>
-              <a:t>데이터 셋 정리</a:t>
-            </a:r>
-            <a:r>
-              <a:rPr lang="en-US" altLang="ko-KR" dirty="0" smtClean="0"/>
-              <a:t>)</a:t>
-            </a:r>
-            <a:endParaRPr lang="ko-KR" altLang="en-US" dirty="0"/>
-          </a:p>
-        </p:txBody>
-      </p:sp>
     </p:spTree>
     <p:extLst>
       <p:ext uri="{BB962C8B-B14F-4D97-AF65-F5344CB8AC3E}">
-        <p14:creationId xmlns:p14="http://schemas.microsoft.com/office/powerpoint/2010/main" val="1487310101"/>
+        <p14:creationId xmlns:p14="http://schemas.microsoft.com/office/powerpoint/2010/main" val="3816055464"/>
       </p:ext>
     </p:extLst>
   </p:cSld>
@@ -3884,7 +3705,125 @@
           <p:cNvPr id="3" name="직선 연결선 2">
             <a:extLst>
               <a:ext uri="{FF2B5EF4-FFF2-40B4-BE49-F238E27FC236}">
-                <a16:creationId xmlns="" xmlns:a16="http://schemas.microsoft.com/office/drawing/2014/main" id="{30B7886A-E2C2-47A8-A271-1FD08F52EED0}"/>
+                <a16:creationId xmlns:a16="http://schemas.microsoft.com/office/drawing/2014/main" xmlns="" id="{30B7886A-E2C2-47A8-A271-1FD08F52EED0}"/>
+              </a:ext>
+            </a:extLst>
+          </p:cNvPr>
+          <p:cNvCxnSpPr>
+            <a:cxnSpLocks/>
+          </p:cNvCxnSpPr>
+          <p:nvPr/>
+        </p:nvCxnSpPr>
+        <p:spPr>
+          <a:xfrm>
+            <a:off x="152400" y="190500"/>
+            <a:ext cx="1435100" cy="0"/>
+          </a:xfrm>
+          <a:prstGeom prst="line">
+            <a:avLst/>
+          </a:prstGeom>
+          <a:ln w="76200">
+            <a:solidFill>
+              <a:schemeClr val="accent4"/>
+            </a:solidFill>
+          </a:ln>
+        </p:spPr>
+        <p:style>
+          <a:lnRef idx="1">
+            <a:schemeClr val="accent1"/>
+          </a:lnRef>
+          <a:fillRef idx="0">
+            <a:schemeClr val="accent1"/>
+          </a:fillRef>
+          <a:effectRef idx="0">
+            <a:schemeClr val="accent1"/>
+          </a:effectRef>
+          <a:fontRef idx="minor">
+            <a:schemeClr val="tx1"/>
+          </a:fontRef>
+        </p:style>
+      </p:cxnSp>
+      <p:sp>
+        <p:nvSpPr>
+          <p:cNvPr id="6" name="TextBox 5">
+            <a:extLst>
+              <a:ext uri="{FF2B5EF4-FFF2-40B4-BE49-F238E27FC236}">
+                <a16:creationId xmlns:a16="http://schemas.microsoft.com/office/drawing/2014/main" xmlns="" id="{3C4D8878-800F-4A94-9AEE-55D2DF32C42C}"/>
+              </a:ext>
+            </a:extLst>
+          </p:cNvPr>
+          <p:cNvSpPr txBox="1"/>
+          <p:nvPr/>
+        </p:nvSpPr>
+        <p:spPr>
+          <a:xfrm>
+            <a:off x="583709" y="345588"/>
+            <a:ext cx="885179" cy="369332"/>
+          </a:xfrm>
+          <a:prstGeom prst="rect">
+            <a:avLst/>
+          </a:prstGeom>
+          <a:noFill/>
+        </p:spPr>
+        <p:txBody>
+          <a:bodyPr wrap="none" rtlCol="0">
+            <a:spAutoFit/>
+          </a:bodyPr>
+          <a:lstStyle/>
+          <a:p>
+            <a:r>
+              <a:rPr lang="ko-KR" altLang="en-US" dirty="0">
+                <a:solidFill>
+                  <a:schemeClr val="accent4"/>
+                </a:solidFill>
+              </a:rPr>
+              <a:t>이번주</a:t>
+            </a:r>
+          </a:p>
+        </p:txBody>
+      </p:sp>
+      <p:cxnSp>
+        <p:nvCxnSpPr>
+          <p:cNvPr id="7" name="직선 연결선 6">
+            <a:extLst>
+              <a:ext uri="{FF2B5EF4-FFF2-40B4-BE49-F238E27FC236}">
+                <a16:creationId xmlns:a16="http://schemas.microsoft.com/office/drawing/2014/main" xmlns="" id="{F86ECFCA-8157-4B44-95D4-886C714123BC}"/>
+              </a:ext>
+            </a:extLst>
+          </p:cNvPr>
+          <p:cNvCxnSpPr/>
+          <p:nvPr/>
+        </p:nvCxnSpPr>
+        <p:spPr>
+          <a:xfrm>
+            <a:off x="1587500" y="190500"/>
+            <a:ext cx="10604500" cy="0"/>
+          </a:xfrm>
+          <a:prstGeom prst="line">
+            <a:avLst/>
+          </a:prstGeom>
+        </p:spPr>
+        <p:style>
+          <a:lnRef idx="1">
+            <a:schemeClr val="accent1"/>
+          </a:lnRef>
+          <a:fillRef idx="0">
+            <a:schemeClr val="accent1"/>
+          </a:fillRef>
+          <a:effectRef idx="0">
+            <a:schemeClr val="accent1"/>
+          </a:effectRef>
+          <a:fontRef idx="minor">
+            <a:schemeClr val="tx1"/>
+          </a:fontRef>
+        </p:style>
+      </p:cxnSp>
+      <p:cxnSp>
+        <p:nvCxnSpPr>
+          <p:cNvPr id="5" name="직선 연결선 2">
+            <a:extLst>
+              <a:ext uri="{FF2B5EF4-FFF2-40B4-BE49-F238E27FC236}">
+                <a16:creationId xmlns:a16="http://schemas.microsoft.com/office/drawing/2014/main" xmlns="" id="{ED5D6D6C-E4D5-06B4-A446-AC2C334E3BB6}"/>
               </a:ext>
             </a:extLst>
           </p:cNvPr>
@@ -3924,10 +3863,10 @@
       </p:cxnSp>
       <p:cxnSp>
         <p:nvCxnSpPr>
-          <p:cNvPr id="18" name="직선 연결선 17">
-            <a:extLst>
-              <a:ext uri="{FF2B5EF4-FFF2-40B4-BE49-F238E27FC236}">
-                <a16:creationId xmlns="" xmlns:a16="http://schemas.microsoft.com/office/drawing/2014/main" id="{7911BDFD-7E29-44F7-9ED7-E8F36B51436C}"/>
+          <p:cNvPr id="12" name="직선 연결선 17">
+            <a:extLst>
+              <a:ext uri="{FF2B5EF4-FFF2-40B4-BE49-F238E27FC236}">
+                <a16:creationId xmlns:a16="http://schemas.microsoft.com/office/drawing/2014/main" xmlns="" id="{7A8E7A8F-1AD4-12E8-E3AF-D94F6B3EAA1A}"/>
               </a:ext>
             </a:extLst>
           </p:cNvPr>
@@ -3958,10 +3897,213 @@
           </a:fontRef>
         </p:style>
       </p:cxnSp>
+      <p:pic>
+        <p:nvPicPr>
+          <p:cNvPr id="13" name="Picture 2" descr="C:\Users\user\Desktop\1.1.GIF">
+            <a:extLst>
+              <a:ext uri="{FF2B5EF4-FFF2-40B4-BE49-F238E27FC236}">
+                <a16:creationId xmlns:a16="http://schemas.microsoft.com/office/drawing/2014/main" xmlns="" id="{0F5B0B94-2B86-5A76-B437-8C2DCA0DD260}"/>
+              </a:ext>
+            </a:extLst>
+          </p:cNvPr>
+          <p:cNvPicPr>
+            <a:picLocks noChangeAspect="1" noChangeArrowheads="1"/>
+          </p:cNvPicPr>
+          <p:nvPr/>
+        </p:nvPicPr>
+        <p:blipFill>
+          <a:blip r:embed="rId2">
+            <a:extLst>
+              <a:ext uri="{28A0092B-C50C-407E-A947-70E740481C1C}">
+                <a14:useLocalDpi xmlns:a14="http://schemas.microsoft.com/office/drawing/2010/main" val="0"/>
+              </a:ext>
+            </a:extLst>
+          </a:blip>
+          <a:srcRect/>
+          <a:stretch>
+            <a:fillRect/>
+          </a:stretch>
+        </p:blipFill>
+        <p:spPr bwMode="auto">
+          <a:xfrm>
+            <a:off x="717550" y="901700"/>
+            <a:ext cx="4787900" cy="5035550"/>
+          </a:xfrm>
+          <a:prstGeom prst="rect">
+            <a:avLst/>
+          </a:prstGeom>
+          <a:noFill/>
+          <a:extLst>
+            <a:ext uri="{909E8E84-426E-40DD-AFC4-6F175D3DCCD1}">
+              <a14:hiddenFill xmlns:a14="http://schemas.microsoft.com/office/drawing/2010/main">
+                <a:solidFill>
+                  <a:srgbClr val="FFFFFF"/>
+                </a:solidFill>
+              </a14:hiddenFill>
+            </a:ext>
+          </a:extLst>
+        </p:spPr>
+      </p:pic>
+      <p:pic>
+        <p:nvPicPr>
+          <p:cNvPr id="14" name="Picture 3" descr="C:\Users\user\Desktop\1.2.GIF">
+            <a:extLst>
+              <a:ext uri="{FF2B5EF4-FFF2-40B4-BE49-F238E27FC236}">
+                <a16:creationId xmlns:a16="http://schemas.microsoft.com/office/drawing/2014/main" xmlns="" id="{7C8A2C5A-26DE-86C5-1941-3F4BB59AE64A}"/>
+              </a:ext>
+            </a:extLst>
+          </p:cNvPr>
+          <p:cNvPicPr>
+            <a:picLocks noChangeAspect="1" noChangeArrowheads="1"/>
+          </p:cNvPicPr>
+          <p:nvPr/>
+        </p:nvPicPr>
+        <p:blipFill>
+          <a:blip r:embed="rId3">
+            <a:extLst>
+              <a:ext uri="{28A0092B-C50C-407E-A947-70E740481C1C}">
+                <a14:useLocalDpi xmlns:a14="http://schemas.microsoft.com/office/drawing/2010/main" val="0"/>
+              </a:ext>
+            </a:extLst>
+          </a:blip>
+          <a:srcRect/>
+          <a:stretch>
+            <a:fillRect/>
+          </a:stretch>
+        </p:blipFill>
+        <p:spPr bwMode="auto">
+          <a:xfrm>
+            <a:off x="6521450" y="920750"/>
+            <a:ext cx="4730750" cy="5016500"/>
+          </a:xfrm>
+          <a:prstGeom prst="rect">
+            <a:avLst/>
+          </a:prstGeom>
+          <a:noFill/>
+          <a:extLst>
+            <a:ext uri="{909E8E84-426E-40DD-AFC4-6F175D3DCCD1}">
+              <a14:hiddenFill xmlns:a14="http://schemas.microsoft.com/office/drawing/2010/main">
+                <a:solidFill>
+                  <a:srgbClr val="FFFFFF"/>
+                </a:solidFill>
+              </a14:hiddenFill>
+            </a:ext>
+          </a:extLst>
+        </p:spPr>
+      </p:pic>
+      <p:sp>
+        <p:nvSpPr>
+          <p:cNvPr id="15" name="오른쪽 화살표 1">
+            <a:extLst>
+              <a:ext uri="{FF2B5EF4-FFF2-40B4-BE49-F238E27FC236}">
+                <a16:creationId xmlns:a16="http://schemas.microsoft.com/office/drawing/2014/main" xmlns="" id="{FBB46BEC-98B7-4098-6436-FF1FBA1822FC}"/>
+              </a:ext>
+            </a:extLst>
+          </p:cNvPr>
+          <p:cNvSpPr/>
+          <p:nvPr/>
+        </p:nvSpPr>
+        <p:spPr>
+          <a:xfrm>
+            <a:off x="5588000" y="3067050"/>
+            <a:ext cx="838200" cy="723900"/>
+          </a:xfrm>
+          <a:prstGeom prst="rightArrow">
+            <a:avLst/>
+          </a:prstGeom>
+          <a:solidFill>
+            <a:schemeClr val="accent4"/>
+          </a:solidFill>
+          <a:ln>
+            <a:noFill/>
+          </a:ln>
+        </p:spPr>
+        <p:style>
+          <a:lnRef idx="2">
+            <a:schemeClr val="accent1">
+              <a:shade val="50000"/>
+            </a:schemeClr>
+          </a:lnRef>
+          <a:fillRef idx="1">
+            <a:schemeClr val="accent1"/>
+          </a:fillRef>
+          <a:effectRef idx="0">
+            <a:schemeClr val="accent1"/>
+          </a:effectRef>
+          <a:fontRef idx="minor">
+            <a:schemeClr val="lt1"/>
+          </a:fontRef>
+        </p:style>
+        <p:txBody>
+          <a:bodyPr rtlCol="0" anchor="ctr"/>
+          <a:lstStyle/>
+          <a:p>
+            <a:pPr algn="ctr"/>
+            <a:endParaRPr lang="ko-KR" altLang="en-US"/>
+          </a:p>
+        </p:txBody>
+      </p:sp>
+      <p:sp>
+        <p:nvSpPr>
+          <p:cNvPr id="16" name="TextBox 15">
+            <a:extLst>
+              <a:ext uri="{FF2B5EF4-FFF2-40B4-BE49-F238E27FC236}">
+                <a16:creationId xmlns:a16="http://schemas.microsoft.com/office/drawing/2014/main" xmlns="" id="{C9954030-7A3D-4C83-AABD-DA6395616C3F}"/>
+              </a:ext>
+            </a:extLst>
+          </p:cNvPr>
+          <p:cNvSpPr txBox="1"/>
+          <p:nvPr/>
+        </p:nvSpPr>
+        <p:spPr>
+          <a:xfrm>
+            <a:off x="1133231" y="6064738"/>
+            <a:ext cx="9667631" cy="369332"/>
+          </a:xfrm>
+          <a:prstGeom prst="rect">
+            <a:avLst/>
+          </a:prstGeom>
+          <a:noFill/>
+        </p:spPr>
+        <p:txBody>
+          <a:bodyPr wrap="square" rtlCol="0">
+            <a:spAutoFit/>
+          </a:bodyPr>
+          <a:lstStyle/>
+          <a:p>
+            <a:pPr algn="ctr"/>
+            <a:r>
+              <a:rPr lang="ko-KR" altLang="en-US" dirty="0"/>
+              <a:t>배경 </a:t>
+            </a:r>
+            <a:r>
+              <a:rPr lang="ko-KR" altLang="en-US" dirty="0" err="1"/>
+              <a:t>알파값</a:t>
+            </a:r>
+            <a:r>
+              <a:rPr lang="ko-KR" altLang="en-US" dirty="0"/>
+              <a:t> 제거</a:t>
+            </a:r>
+            <a:r>
+              <a:rPr lang="en-US" altLang="ko-KR" dirty="0"/>
+              <a:t>(</a:t>
+            </a:r>
+            <a:r>
+              <a:rPr lang="ko-KR" altLang="en-US" dirty="0"/>
+              <a:t>데이터 셋 정리</a:t>
+            </a:r>
+            <a:r>
+              <a:rPr lang="en-US" altLang="ko-KR" dirty="0"/>
+              <a:t>)</a:t>
+            </a:r>
+            <a:endParaRPr lang="ko-KR" altLang="en-US" dirty="0"/>
+          </a:p>
+        </p:txBody>
+      </p:sp>
     </p:spTree>
     <p:extLst>
       <p:ext uri="{BB962C8B-B14F-4D97-AF65-F5344CB8AC3E}">
-        <p14:creationId xmlns:p14="http://schemas.microsoft.com/office/powerpoint/2010/main" val="3816055464"/>
+        <p14:creationId xmlns:p14="http://schemas.microsoft.com/office/powerpoint/2010/main" val="2361050287"/>
       </p:ext>
     </p:extLst>
   </p:cSld>
